--- a/Project poster.pptx
+++ b/Project poster.pptx
@@ -169,6 +169,182 @@
 
 <file path=ppt/changesInfos/changesInfo1.xml><?xml version="1.0" encoding="utf-8"?>
 <pc:chgInfo xmlns:a="http://schemas.openxmlformats.org/drawingml/2006/main" xmlns:r="http://schemas.openxmlformats.org/officeDocument/2006/relationships" xmlns:ac="http://schemas.microsoft.com/office/drawing/2013/main/command" xmlns:pc="http://schemas.microsoft.com/office/powerpoint/2013/main/command">
+  <pc:docChgLst>
+    <pc:chgData name="Stefan Mahabeer Ahmed" userId="956c3605-615d-4789-9cb9-25c8ef59b7e2" providerId="ADAL" clId="{DAA0A62A-9A01-4ECF-87A2-C49991873C87}"/>
+    <pc:docChg chg="undo custSel modSld">
+      <pc:chgData name="Stefan Mahabeer Ahmed" userId="956c3605-615d-4789-9cb9-25c8ef59b7e2" providerId="ADAL" clId="{DAA0A62A-9A01-4ECF-87A2-C49991873C87}" dt="2021-06-14T07:59:20.864" v="10174" actId="1076"/>
+      <pc:docMkLst>
+        <pc:docMk/>
+      </pc:docMkLst>
+      <pc:sldChg chg="addSp delSp modSp mod">
+        <pc:chgData name="Stefan Mahabeer Ahmed" userId="956c3605-615d-4789-9cb9-25c8ef59b7e2" providerId="ADAL" clId="{DAA0A62A-9A01-4ECF-87A2-C49991873C87}" dt="2021-06-14T07:59:20.864" v="10174" actId="1076"/>
+        <pc:sldMkLst>
+          <pc:docMk/>
+          <pc:sldMk cId="0" sldId="256"/>
+        </pc:sldMkLst>
+        <pc:spChg chg="mod">
+          <ac:chgData name="Stefan Mahabeer Ahmed" userId="956c3605-615d-4789-9cb9-25c8ef59b7e2" providerId="ADAL" clId="{DAA0A62A-9A01-4ECF-87A2-C49991873C87}" dt="2021-06-13T15:05:38.563" v="6691" actId="20577"/>
+          <ac:spMkLst>
+            <pc:docMk/>
+            <pc:sldMk cId="0" sldId="256"/>
+            <ac:spMk id="3" creationId="{D7ECB67C-B00D-4F7A-8ABE-A3C477FD3574}"/>
+          </ac:spMkLst>
+        </pc:spChg>
+        <pc:spChg chg="mod">
+          <ac:chgData name="Stefan Mahabeer Ahmed" userId="956c3605-615d-4789-9cb9-25c8ef59b7e2" providerId="ADAL" clId="{DAA0A62A-9A01-4ECF-87A2-C49991873C87}" dt="2021-06-14T06:47:21.758" v="8629" actId="14100"/>
+          <ac:spMkLst>
+            <pc:docMk/>
+            <pc:sldMk cId="0" sldId="256"/>
+            <ac:spMk id="36" creationId="{B8350C76-24D7-47A7-9D16-94B5C8E59EE5}"/>
+          </ac:spMkLst>
+        </pc:spChg>
+        <pc:spChg chg="mod">
+          <ac:chgData name="Stefan Mahabeer Ahmed" userId="956c3605-615d-4789-9cb9-25c8ef59b7e2" providerId="ADAL" clId="{DAA0A62A-9A01-4ECF-87A2-C49991873C87}" dt="2021-06-14T06:52:01.569" v="8751" actId="14100"/>
+          <ac:spMkLst>
+            <pc:docMk/>
+            <pc:sldMk cId="0" sldId="256"/>
+            <ac:spMk id="37" creationId="{E7F6A5C2-CE04-4C5D-A385-50E543C4A742}"/>
+          </ac:spMkLst>
+        </pc:spChg>
+        <pc:spChg chg="mod">
+          <ac:chgData name="Stefan Mahabeer Ahmed" userId="956c3605-615d-4789-9cb9-25c8ef59b7e2" providerId="ADAL" clId="{DAA0A62A-9A01-4ECF-87A2-C49991873C87}" dt="2021-06-14T07:59:16.876" v="10173" actId="14100"/>
+          <ac:spMkLst>
+            <pc:docMk/>
+            <pc:sldMk cId="0" sldId="256"/>
+            <ac:spMk id="38" creationId="{AFA39C0E-7924-450E-B5FD-3269BF0B88D2}"/>
+          </ac:spMkLst>
+        </pc:spChg>
+        <pc:spChg chg="mod">
+          <ac:chgData name="Stefan Mahabeer Ahmed" userId="956c3605-615d-4789-9cb9-25c8ef59b7e2" providerId="ADAL" clId="{DAA0A62A-9A01-4ECF-87A2-C49991873C87}" dt="2021-06-13T15:09:45.714" v="6712" actId="1076"/>
+          <ac:spMkLst>
+            <pc:docMk/>
+            <pc:sldMk cId="0" sldId="256"/>
+            <ac:spMk id="39" creationId="{1029F123-1C69-4FF7-B1F3-9ED39D63A5A6}"/>
+          </ac:spMkLst>
+        </pc:spChg>
+        <pc:spChg chg="mod">
+          <ac:chgData name="Stefan Mahabeer Ahmed" userId="956c3605-615d-4789-9cb9-25c8ef59b7e2" providerId="ADAL" clId="{DAA0A62A-9A01-4ECF-87A2-C49991873C87}" dt="2021-06-13T15:06:21.202" v="6709" actId="14100"/>
+          <ac:spMkLst>
+            <pc:docMk/>
+            <pc:sldMk cId="0" sldId="256"/>
+            <ac:spMk id="41" creationId="{FACE7595-9190-4254-AD20-4AF62529C9D7}"/>
+          </ac:spMkLst>
+        </pc:spChg>
+        <pc:spChg chg="mod">
+          <ac:chgData name="Stefan Mahabeer Ahmed" userId="956c3605-615d-4789-9cb9-25c8ef59b7e2" providerId="ADAL" clId="{DAA0A62A-9A01-4ECF-87A2-C49991873C87}" dt="2021-06-13T15:10:24.835" v="6720" actId="1035"/>
+          <ac:spMkLst>
+            <pc:docMk/>
+            <pc:sldMk cId="0" sldId="256"/>
+            <ac:spMk id="42" creationId="{FCD2997F-7EC7-421E-8214-A94E80D2915C}"/>
+          </ac:spMkLst>
+        </pc:spChg>
+        <pc:spChg chg="mod">
+          <ac:chgData name="Stefan Mahabeer Ahmed" userId="956c3605-615d-4789-9cb9-25c8ef59b7e2" providerId="ADAL" clId="{DAA0A62A-9A01-4ECF-87A2-C49991873C87}" dt="2021-06-14T07:25:21.231" v="9863" actId="14100"/>
+          <ac:spMkLst>
+            <pc:docMk/>
+            <pc:sldMk cId="0" sldId="256"/>
+            <ac:spMk id="43" creationId="{514082E8-2063-4A92-AA5B-A51A62BBCE95}"/>
+          </ac:spMkLst>
+        </pc:spChg>
+        <pc:spChg chg="mod">
+          <ac:chgData name="Stefan Mahabeer Ahmed" userId="956c3605-615d-4789-9cb9-25c8ef59b7e2" providerId="ADAL" clId="{DAA0A62A-9A01-4ECF-87A2-C49991873C87}" dt="2021-06-13T12:23:43.211" v="4434" actId="1035"/>
+          <ac:spMkLst>
+            <pc:docMk/>
+            <pc:sldMk cId="0" sldId="256"/>
+            <ac:spMk id="44" creationId="{B5371364-D880-4E59-945D-7866F0A4043E}"/>
+          </ac:spMkLst>
+        </pc:spChg>
+        <pc:spChg chg="mod">
+          <ac:chgData name="Stefan Mahabeer Ahmed" userId="956c3605-615d-4789-9cb9-25c8ef59b7e2" providerId="ADAL" clId="{DAA0A62A-9A01-4ECF-87A2-C49991873C87}" dt="2021-06-14T07:41:48.075" v="10166" actId="20577"/>
+          <ac:spMkLst>
+            <pc:docMk/>
+            <pc:sldMk cId="0" sldId="256"/>
+            <ac:spMk id="45" creationId="{23D6FA18-FEBE-405D-857C-30F76FC73F63}"/>
+          </ac:spMkLst>
+        </pc:spChg>
+        <pc:spChg chg="mod">
+          <ac:chgData name="Stefan Mahabeer Ahmed" userId="956c3605-615d-4789-9cb9-25c8ef59b7e2" providerId="ADAL" clId="{DAA0A62A-9A01-4ECF-87A2-C49991873C87}" dt="2021-06-13T22:55:28.430" v="8229" actId="404"/>
+          <ac:spMkLst>
+            <pc:docMk/>
+            <pc:sldMk cId="0" sldId="256"/>
+            <ac:spMk id="46" creationId="{11843234-0697-45BC-903A-5FEC344B190C}"/>
+          </ac:spMkLst>
+        </pc:spChg>
+        <pc:spChg chg="mod">
+          <ac:chgData name="Stefan Mahabeer Ahmed" userId="956c3605-615d-4789-9cb9-25c8ef59b7e2" providerId="ADAL" clId="{DAA0A62A-9A01-4ECF-87A2-C49991873C87}" dt="2021-06-13T14:18:05.861" v="4491" actId="1036"/>
+          <ac:spMkLst>
+            <pc:docMk/>
+            <pc:sldMk cId="0" sldId="256"/>
+            <ac:spMk id="47" creationId="{0579BD0D-006D-43C8-A7D3-C9EB58DD7502}"/>
+          </ac:spMkLst>
+        </pc:spChg>
+        <pc:spChg chg="add mod">
+          <ac:chgData name="Stefan Mahabeer Ahmed" userId="956c3605-615d-4789-9cb9-25c8ef59b7e2" providerId="ADAL" clId="{DAA0A62A-9A01-4ECF-87A2-C49991873C87}" dt="2021-06-14T07:07:33.765" v="9579" actId="20577"/>
+          <ac:spMkLst>
+            <pc:docMk/>
+            <pc:sldMk cId="0" sldId="256"/>
+            <ac:spMk id="48" creationId="{101928DF-D366-4869-B1DC-3848CA52E339}"/>
+          </ac:spMkLst>
+        </pc:spChg>
+        <pc:spChg chg="add mod">
+          <ac:chgData name="Stefan Mahabeer Ahmed" userId="956c3605-615d-4789-9cb9-25c8ef59b7e2" providerId="ADAL" clId="{DAA0A62A-9A01-4ECF-87A2-C49991873C87}" dt="2021-06-14T07:41:57.008" v="10167" actId="1076"/>
+          <ac:spMkLst>
+            <pc:docMk/>
+            <pc:sldMk cId="0" sldId="256"/>
+            <ac:spMk id="50" creationId="{AE7FC29A-8BE5-46B8-B321-5B283DB0E21A}"/>
+          </ac:spMkLst>
+        </pc:spChg>
+        <pc:picChg chg="del mod">
+          <ac:chgData name="Stefan Mahabeer Ahmed" userId="956c3605-615d-4789-9cb9-25c8ef59b7e2" providerId="ADAL" clId="{DAA0A62A-9A01-4ECF-87A2-C49991873C87}" dt="2021-06-13T22:55:41.100" v="8230" actId="478"/>
+          <ac:picMkLst>
+            <pc:docMk/>
+            <pc:sldMk cId="0" sldId="256"/>
+            <ac:picMk id="4" creationId="{205E5802-86D0-4FA2-93B5-55192A87DEFB}"/>
+          </ac:picMkLst>
+        </pc:picChg>
+        <pc:picChg chg="add del mod">
+          <ac:chgData name="Stefan Mahabeer Ahmed" userId="956c3605-615d-4789-9cb9-25c8ef59b7e2" providerId="ADAL" clId="{DAA0A62A-9A01-4ECF-87A2-C49991873C87}" dt="2021-06-14T07:29:56.428" v="10027"/>
+          <ac:picMkLst>
+            <pc:docMk/>
+            <pc:sldMk cId="0" sldId="256"/>
+            <ac:picMk id="4" creationId="{5169380C-7E44-4F83-A449-A707E46AE4B8}"/>
+          </ac:picMkLst>
+        </pc:picChg>
+        <pc:picChg chg="add del mod">
+          <ac:chgData name="Stefan Mahabeer Ahmed" userId="956c3605-615d-4789-9cb9-25c8ef59b7e2" providerId="ADAL" clId="{DAA0A62A-9A01-4ECF-87A2-C49991873C87}" dt="2021-06-13T22:11:16.119" v="6724" actId="478"/>
+          <ac:picMkLst>
+            <pc:docMk/>
+            <pc:sldMk cId="0" sldId="256"/>
+            <ac:picMk id="5" creationId="{B87361FB-2025-405B-A099-5997BCB09281}"/>
+          </ac:picMkLst>
+        </pc:picChg>
+        <pc:picChg chg="add mod">
+          <ac:chgData name="Stefan Mahabeer Ahmed" userId="956c3605-615d-4789-9cb9-25c8ef59b7e2" providerId="ADAL" clId="{DAA0A62A-9A01-4ECF-87A2-C49991873C87}" dt="2021-06-14T06:47:49.712" v="8633" actId="14100"/>
+          <ac:picMkLst>
+            <pc:docMk/>
+            <pc:sldMk cId="0" sldId="256"/>
+            <ac:picMk id="7" creationId="{24FFF061-BF20-44F4-BCAB-330631BFF701}"/>
+          </ac:picMkLst>
+        </pc:picChg>
+        <pc:picChg chg="add mod modCrop">
+          <ac:chgData name="Stefan Mahabeer Ahmed" userId="956c3605-615d-4789-9cb9-25c8ef59b7e2" providerId="ADAL" clId="{DAA0A62A-9A01-4ECF-87A2-C49991873C87}" dt="2021-06-14T07:58:46.290" v="10171" actId="1076"/>
+          <ac:picMkLst>
+            <pc:docMk/>
+            <pc:sldMk cId="0" sldId="256"/>
+            <ac:picMk id="40" creationId="{45277F2D-8DA5-4ABA-842C-A8F3C8B1F83E}"/>
+          </ac:picMkLst>
+        </pc:picChg>
+        <pc:picChg chg="add mod">
+          <ac:chgData name="Stefan Mahabeer Ahmed" userId="956c3605-615d-4789-9cb9-25c8ef59b7e2" providerId="ADAL" clId="{DAA0A62A-9A01-4ECF-87A2-C49991873C87}" dt="2021-06-14T07:59:20.864" v="10174" actId="1076"/>
+          <ac:picMkLst>
+            <pc:docMk/>
+            <pc:sldMk cId="0" sldId="256"/>
+            <ac:picMk id="49" creationId="{726DB32B-1156-4298-800A-A7993B08D3C8}"/>
+          </ac:picMkLst>
+        </pc:picChg>
+      </pc:sldChg>
+    </pc:docChg>
+  </pc:docChgLst>
   <pc:docChgLst>
     <pc:chgData name="Stefan Mahabeer Ahmed" userId="956c3605-615d-4789-9cb9-25c8ef59b7e2" providerId="ADAL" clId="{4B524898-7ADD-481C-AD54-83FB8EBFD866}"/>
     <pc:docChg chg="custSel addSld delSld modSld sldOrd delMainMaster">
@@ -357,182 +533,6 @@
           </pc:sldLayoutMkLst>
         </pc:sldLayoutChg>
       </pc:sldMasterChg>
-    </pc:docChg>
-  </pc:docChgLst>
-  <pc:docChgLst>
-    <pc:chgData name="Stefan Mahabeer Ahmed" userId="956c3605-615d-4789-9cb9-25c8ef59b7e2" providerId="ADAL" clId="{DAA0A62A-9A01-4ECF-87A2-C49991873C87}"/>
-    <pc:docChg chg="undo custSel modSld">
-      <pc:chgData name="Stefan Mahabeer Ahmed" userId="956c3605-615d-4789-9cb9-25c8ef59b7e2" providerId="ADAL" clId="{DAA0A62A-9A01-4ECF-87A2-C49991873C87}" dt="2021-06-14T07:59:20.864" v="10174" actId="1076"/>
-      <pc:docMkLst>
-        <pc:docMk/>
-      </pc:docMkLst>
-      <pc:sldChg chg="addSp delSp modSp mod">
-        <pc:chgData name="Stefan Mahabeer Ahmed" userId="956c3605-615d-4789-9cb9-25c8ef59b7e2" providerId="ADAL" clId="{DAA0A62A-9A01-4ECF-87A2-C49991873C87}" dt="2021-06-14T07:59:20.864" v="10174" actId="1076"/>
-        <pc:sldMkLst>
-          <pc:docMk/>
-          <pc:sldMk cId="0" sldId="256"/>
-        </pc:sldMkLst>
-        <pc:spChg chg="mod">
-          <ac:chgData name="Stefan Mahabeer Ahmed" userId="956c3605-615d-4789-9cb9-25c8ef59b7e2" providerId="ADAL" clId="{DAA0A62A-9A01-4ECF-87A2-C49991873C87}" dt="2021-06-13T15:05:38.563" v="6691" actId="20577"/>
-          <ac:spMkLst>
-            <pc:docMk/>
-            <pc:sldMk cId="0" sldId="256"/>
-            <ac:spMk id="3" creationId="{D7ECB67C-B00D-4F7A-8ABE-A3C477FD3574}"/>
-          </ac:spMkLst>
-        </pc:spChg>
-        <pc:spChg chg="mod">
-          <ac:chgData name="Stefan Mahabeer Ahmed" userId="956c3605-615d-4789-9cb9-25c8ef59b7e2" providerId="ADAL" clId="{DAA0A62A-9A01-4ECF-87A2-C49991873C87}" dt="2021-06-14T06:47:21.758" v="8629" actId="14100"/>
-          <ac:spMkLst>
-            <pc:docMk/>
-            <pc:sldMk cId="0" sldId="256"/>
-            <ac:spMk id="36" creationId="{B8350C76-24D7-47A7-9D16-94B5C8E59EE5}"/>
-          </ac:spMkLst>
-        </pc:spChg>
-        <pc:spChg chg="mod">
-          <ac:chgData name="Stefan Mahabeer Ahmed" userId="956c3605-615d-4789-9cb9-25c8ef59b7e2" providerId="ADAL" clId="{DAA0A62A-9A01-4ECF-87A2-C49991873C87}" dt="2021-06-14T06:52:01.569" v="8751" actId="14100"/>
-          <ac:spMkLst>
-            <pc:docMk/>
-            <pc:sldMk cId="0" sldId="256"/>
-            <ac:spMk id="37" creationId="{E7F6A5C2-CE04-4C5D-A385-50E543C4A742}"/>
-          </ac:spMkLst>
-        </pc:spChg>
-        <pc:spChg chg="mod">
-          <ac:chgData name="Stefan Mahabeer Ahmed" userId="956c3605-615d-4789-9cb9-25c8ef59b7e2" providerId="ADAL" clId="{DAA0A62A-9A01-4ECF-87A2-C49991873C87}" dt="2021-06-14T07:59:16.876" v="10173" actId="14100"/>
-          <ac:spMkLst>
-            <pc:docMk/>
-            <pc:sldMk cId="0" sldId="256"/>
-            <ac:spMk id="38" creationId="{AFA39C0E-7924-450E-B5FD-3269BF0B88D2}"/>
-          </ac:spMkLst>
-        </pc:spChg>
-        <pc:spChg chg="mod">
-          <ac:chgData name="Stefan Mahabeer Ahmed" userId="956c3605-615d-4789-9cb9-25c8ef59b7e2" providerId="ADAL" clId="{DAA0A62A-9A01-4ECF-87A2-C49991873C87}" dt="2021-06-13T15:09:45.714" v="6712" actId="1076"/>
-          <ac:spMkLst>
-            <pc:docMk/>
-            <pc:sldMk cId="0" sldId="256"/>
-            <ac:spMk id="39" creationId="{1029F123-1C69-4FF7-B1F3-9ED39D63A5A6}"/>
-          </ac:spMkLst>
-        </pc:spChg>
-        <pc:spChg chg="mod">
-          <ac:chgData name="Stefan Mahabeer Ahmed" userId="956c3605-615d-4789-9cb9-25c8ef59b7e2" providerId="ADAL" clId="{DAA0A62A-9A01-4ECF-87A2-C49991873C87}" dt="2021-06-13T15:06:21.202" v="6709" actId="14100"/>
-          <ac:spMkLst>
-            <pc:docMk/>
-            <pc:sldMk cId="0" sldId="256"/>
-            <ac:spMk id="41" creationId="{FACE7595-9190-4254-AD20-4AF62529C9D7}"/>
-          </ac:spMkLst>
-        </pc:spChg>
-        <pc:spChg chg="mod">
-          <ac:chgData name="Stefan Mahabeer Ahmed" userId="956c3605-615d-4789-9cb9-25c8ef59b7e2" providerId="ADAL" clId="{DAA0A62A-9A01-4ECF-87A2-C49991873C87}" dt="2021-06-13T15:10:24.835" v="6720" actId="1035"/>
-          <ac:spMkLst>
-            <pc:docMk/>
-            <pc:sldMk cId="0" sldId="256"/>
-            <ac:spMk id="42" creationId="{FCD2997F-7EC7-421E-8214-A94E80D2915C}"/>
-          </ac:spMkLst>
-        </pc:spChg>
-        <pc:spChg chg="mod">
-          <ac:chgData name="Stefan Mahabeer Ahmed" userId="956c3605-615d-4789-9cb9-25c8ef59b7e2" providerId="ADAL" clId="{DAA0A62A-9A01-4ECF-87A2-C49991873C87}" dt="2021-06-14T07:25:21.231" v="9863" actId="14100"/>
-          <ac:spMkLst>
-            <pc:docMk/>
-            <pc:sldMk cId="0" sldId="256"/>
-            <ac:spMk id="43" creationId="{514082E8-2063-4A92-AA5B-A51A62BBCE95}"/>
-          </ac:spMkLst>
-        </pc:spChg>
-        <pc:spChg chg="mod">
-          <ac:chgData name="Stefan Mahabeer Ahmed" userId="956c3605-615d-4789-9cb9-25c8ef59b7e2" providerId="ADAL" clId="{DAA0A62A-9A01-4ECF-87A2-C49991873C87}" dt="2021-06-13T12:23:43.211" v="4434" actId="1035"/>
-          <ac:spMkLst>
-            <pc:docMk/>
-            <pc:sldMk cId="0" sldId="256"/>
-            <ac:spMk id="44" creationId="{B5371364-D880-4E59-945D-7866F0A4043E}"/>
-          </ac:spMkLst>
-        </pc:spChg>
-        <pc:spChg chg="mod">
-          <ac:chgData name="Stefan Mahabeer Ahmed" userId="956c3605-615d-4789-9cb9-25c8ef59b7e2" providerId="ADAL" clId="{DAA0A62A-9A01-4ECF-87A2-C49991873C87}" dt="2021-06-14T07:41:48.075" v="10166" actId="20577"/>
-          <ac:spMkLst>
-            <pc:docMk/>
-            <pc:sldMk cId="0" sldId="256"/>
-            <ac:spMk id="45" creationId="{23D6FA18-FEBE-405D-857C-30F76FC73F63}"/>
-          </ac:spMkLst>
-        </pc:spChg>
-        <pc:spChg chg="mod">
-          <ac:chgData name="Stefan Mahabeer Ahmed" userId="956c3605-615d-4789-9cb9-25c8ef59b7e2" providerId="ADAL" clId="{DAA0A62A-9A01-4ECF-87A2-C49991873C87}" dt="2021-06-13T22:55:28.430" v="8229" actId="404"/>
-          <ac:spMkLst>
-            <pc:docMk/>
-            <pc:sldMk cId="0" sldId="256"/>
-            <ac:spMk id="46" creationId="{11843234-0697-45BC-903A-5FEC344B190C}"/>
-          </ac:spMkLst>
-        </pc:spChg>
-        <pc:spChg chg="mod">
-          <ac:chgData name="Stefan Mahabeer Ahmed" userId="956c3605-615d-4789-9cb9-25c8ef59b7e2" providerId="ADAL" clId="{DAA0A62A-9A01-4ECF-87A2-C49991873C87}" dt="2021-06-13T14:18:05.861" v="4491" actId="1036"/>
-          <ac:spMkLst>
-            <pc:docMk/>
-            <pc:sldMk cId="0" sldId="256"/>
-            <ac:spMk id="47" creationId="{0579BD0D-006D-43C8-A7D3-C9EB58DD7502}"/>
-          </ac:spMkLst>
-        </pc:spChg>
-        <pc:spChg chg="add mod">
-          <ac:chgData name="Stefan Mahabeer Ahmed" userId="956c3605-615d-4789-9cb9-25c8ef59b7e2" providerId="ADAL" clId="{DAA0A62A-9A01-4ECF-87A2-C49991873C87}" dt="2021-06-14T07:07:33.765" v="9579" actId="20577"/>
-          <ac:spMkLst>
-            <pc:docMk/>
-            <pc:sldMk cId="0" sldId="256"/>
-            <ac:spMk id="48" creationId="{101928DF-D366-4869-B1DC-3848CA52E339}"/>
-          </ac:spMkLst>
-        </pc:spChg>
-        <pc:spChg chg="add mod">
-          <ac:chgData name="Stefan Mahabeer Ahmed" userId="956c3605-615d-4789-9cb9-25c8ef59b7e2" providerId="ADAL" clId="{DAA0A62A-9A01-4ECF-87A2-C49991873C87}" dt="2021-06-14T07:41:57.008" v="10167" actId="1076"/>
-          <ac:spMkLst>
-            <pc:docMk/>
-            <pc:sldMk cId="0" sldId="256"/>
-            <ac:spMk id="50" creationId="{AE7FC29A-8BE5-46B8-B321-5B283DB0E21A}"/>
-          </ac:spMkLst>
-        </pc:spChg>
-        <pc:picChg chg="del mod">
-          <ac:chgData name="Stefan Mahabeer Ahmed" userId="956c3605-615d-4789-9cb9-25c8ef59b7e2" providerId="ADAL" clId="{DAA0A62A-9A01-4ECF-87A2-C49991873C87}" dt="2021-06-13T22:55:41.100" v="8230" actId="478"/>
-          <ac:picMkLst>
-            <pc:docMk/>
-            <pc:sldMk cId="0" sldId="256"/>
-            <ac:picMk id="4" creationId="{205E5802-86D0-4FA2-93B5-55192A87DEFB}"/>
-          </ac:picMkLst>
-        </pc:picChg>
-        <pc:picChg chg="add del mod">
-          <ac:chgData name="Stefan Mahabeer Ahmed" userId="956c3605-615d-4789-9cb9-25c8ef59b7e2" providerId="ADAL" clId="{DAA0A62A-9A01-4ECF-87A2-C49991873C87}" dt="2021-06-14T07:29:56.428" v="10027"/>
-          <ac:picMkLst>
-            <pc:docMk/>
-            <pc:sldMk cId="0" sldId="256"/>
-            <ac:picMk id="4" creationId="{5169380C-7E44-4F83-A449-A707E46AE4B8}"/>
-          </ac:picMkLst>
-        </pc:picChg>
-        <pc:picChg chg="add del mod">
-          <ac:chgData name="Stefan Mahabeer Ahmed" userId="956c3605-615d-4789-9cb9-25c8ef59b7e2" providerId="ADAL" clId="{DAA0A62A-9A01-4ECF-87A2-C49991873C87}" dt="2021-06-13T22:11:16.119" v="6724" actId="478"/>
-          <ac:picMkLst>
-            <pc:docMk/>
-            <pc:sldMk cId="0" sldId="256"/>
-            <ac:picMk id="5" creationId="{B87361FB-2025-405B-A099-5997BCB09281}"/>
-          </ac:picMkLst>
-        </pc:picChg>
-        <pc:picChg chg="add mod">
-          <ac:chgData name="Stefan Mahabeer Ahmed" userId="956c3605-615d-4789-9cb9-25c8ef59b7e2" providerId="ADAL" clId="{DAA0A62A-9A01-4ECF-87A2-C49991873C87}" dt="2021-06-14T06:47:49.712" v="8633" actId="14100"/>
-          <ac:picMkLst>
-            <pc:docMk/>
-            <pc:sldMk cId="0" sldId="256"/>
-            <ac:picMk id="7" creationId="{24FFF061-BF20-44F4-BCAB-330631BFF701}"/>
-          </ac:picMkLst>
-        </pc:picChg>
-        <pc:picChg chg="add mod modCrop">
-          <ac:chgData name="Stefan Mahabeer Ahmed" userId="956c3605-615d-4789-9cb9-25c8ef59b7e2" providerId="ADAL" clId="{DAA0A62A-9A01-4ECF-87A2-C49991873C87}" dt="2021-06-14T07:58:46.290" v="10171" actId="1076"/>
-          <ac:picMkLst>
-            <pc:docMk/>
-            <pc:sldMk cId="0" sldId="256"/>
-            <ac:picMk id="40" creationId="{45277F2D-8DA5-4ABA-842C-A8F3C8B1F83E}"/>
-          </ac:picMkLst>
-        </pc:picChg>
-        <pc:picChg chg="add mod">
-          <ac:chgData name="Stefan Mahabeer Ahmed" userId="956c3605-615d-4789-9cb9-25c8ef59b7e2" providerId="ADAL" clId="{DAA0A62A-9A01-4ECF-87A2-C49991873C87}" dt="2021-06-14T07:59:20.864" v="10174" actId="1076"/>
-          <ac:picMkLst>
-            <pc:docMk/>
-            <pc:sldMk cId="0" sldId="256"/>
-            <ac:picMk id="49" creationId="{726DB32B-1156-4298-800A-A7993B08D3C8}"/>
-          </ac:picMkLst>
-        </pc:picChg>
-      </pc:sldChg>
     </pc:docChg>
   </pc:docChgLst>
 </pc:chgInfo>
@@ -5269,28 +5269,28 @@
           <a:p>
             <a:pPr algn="ctr"/>
             <a:r>
-              <a:rPr lang="en-GB" altLang="en-US" sz="4800" b="1"/>
+              <a:rPr lang="en-GB" altLang="en-US" sz="4800" b="1" dirty="0"/>
               <a:t>Poster Title </a:t>
             </a:r>
           </a:p>
           <a:p>
             <a:pPr algn="ctr"/>
             <a:r>
-              <a:rPr lang="en-GB" altLang="en-US"/>
+              <a:rPr lang="en-GB" altLang="en-US" dirty="0"/>
               <a:t>Author Name</a:t>
             </a:r>
           </a:p>
           <a:p>
             <a:pPr algn="ctr"/>
-            <a:endParaRPr lang="en-GB" altLang="en-US" sz="1600"/>
+            <a:endParaRPr lang="en-GB" altLang="en-US" sz="1600" dirty="0"/>
           </a:p>
           <a:p>
             <a:pPr algn="ctr"/>
             <a:r>
-              <a:rPr lang="en-GB" altLang="en-US" sz="2000" i="1"/>
+              <a:rPr lang="en-GB" altLang="en-US" sz="2000" i="1" dirty="0"/>
               <a:t>Contact e-mail: firstname.lastname@uwl.ac.uk</a:t>
             </a:r>
-            <a:endParaRPr lang="en-GB" altLang="en-US" sz="4000" i="1"/>
+            <a:endParaRPr lang="en-GB" altLang="en-US" sz="4000" i="1" dirty="0"/>
           </a:p>
         </p:txBody>
       </p:sp>
@@ -9420,7 +9420,7 @@
         </p:nvSpPr>
         <p:spPr>
           <a:xfrm>
-            <a:off x="442913" y="323850"/>
+            <a:off x="379556" y="431800"/>
             <a:ext cx="21674137" cy="31178500"/>
           </a:xfrm>
           <a:prstGeom prst="rect">
